--- a/PetPal_f.pptx
+++ b/PetPal_f.pptx
@@ -9302,56 +9302,57 @@
           </a:p>
         </p:txBody>
       </p:sp>
-    </p:spTree>
-  </p:cSld>
-  <p:clrMapOvr>
-    <a:masterClrMapping/>
-  </p:clrMapOvr>
-  <p:timing>
-    <p:tnLst>
-      <p:par>
-        <p:cTn id="1" dur="indefinite" restart="never" nodeType="tmRoot"/>
-      </p:par>
-    </p:tnLst>
-  </p:timing>
-</p:sld>
-</file>
-
-<file path=ppt/slides/slide11.xml><?xml version="1.0" encoding="utf-8"?>
-<p:sld xmlns:a="http://schemas.openxmlformats.org/drawingml/2006/main" xmlns:r="http://schemas.openxmlformats.org/officeDocument/2006/relationships" xmlns:p="http://schemas.openxmlformats.org/presentationml/2006/main">
-  <p:cSld>
-    <p:spTree>
-      <p:nvGrpSpPr>
-        <p:cNvPr id="1" name=""/>
-        <p:cNvGrpSpPr/>
-        <p:nvPr/>
-      </p:nvGrpSpPr>
-      <p:grpSpPr>
-        <a:xfrm>
-          <a:off x="0" y="0"/>
-          <a:ext cx="0" cy="0"/>
-          <a:chOff x="0" y="0"/>
-          <a:chExt cx="0" cy="0"/>
-        </a:xfrm>
-      </p:grpSpPr>
+      <p:pic>
+        <p:nvPicPr>
+          <p:cNvPr id="8193" name="Picture 1"/>
+          <p:cNvPicPr>
+            <a:picLocks noChangeAspect="1" noChangeArrowheads="1"/>
+          </p:cNvPicPr>
+          <p:nvPr/>
+        </p:nvPicPr>
+        <p:blipFill>
+          <a:blip r:embed="rId2"/>
+          <a:srcRect/>
+          <a:stretch>
+            <a:fillRect/>
+          </a:stretch>
+        </p:blipFill>
+        <p:spPr bwMode="auto">
+          <a:xfrm>
+            <a:off x="642910" y="1643050"/>
+            <a:ext cx="7905750" cy="4667250"/>
+          </a:xfrm>
+          <a:prstGeom prst="rect">
+            <a:avLst/>
+          </a:prstGeom>
+          <a:noFill/>
+          <a:ln w="9525">
+            <a:noFill/>
+            <a:miter lim="800000"/>
+            <a:headEnd/>
+            <a:tailEnd/>
+          </a:ln>
+          <a:effectLst/>
+        </p:spPr>
+      </p:pic>
       <p:sp>
         <p:nvSpPr>
-          <p:cNvPr id="5" name="직사각형 4"/>
+          <p:cNvPr id="12" name="직사각형 11"/>
           <p:cNvSpPr/>
           <p:nvPr/>
         </p:nvSpPr>
         <p:spPr>
           <a:xfrm>
-            <a:off x="2857488" y="357166"/>
-            <a:ext cx="3429024" cy="857256"/>
+            <a:off x="7715272" y="2643182"/>
+            <a:ext cx="1285884" cy="500066"/>
           </a:xfrm>
           <a:prstGeom prst="rect">
             <a:avLst/>
           </a:prstGeom>
           <a:solidFill>
-            <a:schemeClr val="bg1">
-              <a:alpha val="22000"/>
-            </a:schemeClr>
+            <a:srgbClr val="FF8699">
+              <a:alpha val="56000"/>
+            </a:srgbClr>
           </a:solidFill>
           <a:ln>
             <a:noFill/>
@@ -9378,10 +9379,643 @@
           <a:lstStyle/>
           <a:p>
             <a:pPr algn="ctr"/>
-            <a:endParaRPr lang="ko-KR" altLang="en-US"/>
+            <a:endParaRPr lang="ko-KR" altLang="en-US" dirty="0">
+              <a:solidFill>
+                <a:srgbClr val="FF8699"/>
+              </a:solidFill>
+            </a:endParaRPr>
           </a:p>
         </p:txBody>
       </p:sp>
+      <p:sp>
+        <p:nvSpPr>
+          <p:cNvPr id="11" name="TextBox 10"/>
+          <p:cNvSpPr txBox="1"/>
+          <p:nvPr/>
+        </p:nvSpPr>
+        <p:spPr>
+          <a:xfrm>
+            <a:off x="7786710" y="2571744"/>
+            <a:ext cx="1214446" cy="646331"/>
+          </a:xfrm>
+          <a:prstGeom prst="rect">
+            <a:avLst/>
+          </a:prstGeom>
+          <a:noFill/>
+        </p:spPr>
+        <p:txBody>
+          <a:bodyPr wrap="square" rtlCol="0">
+            <a:spAutoFit/>
+          </a:bodyPr>
+          <a:lstStyle/>
+          <a:p>
+            <a:r>
+              <a:rPr lang="en-US" altLang="ko-KR" sz="3600" dirty="0" smtClean="0">
+                <a:solidFill>
+                  <a:schemeClr val="bg1"/>
+                </a:solidFill>
+                <a:effectLst>
+                  <a:outerShdw blurRad="38100" dist="38100" dir="2700000" algn="tl">
+                    <a:srgbClr val="000000">
+                      <a:alpha val="43137"/>
+                    </a:srgbClr>
+                  </a:outerShdw>
+                </a:effectLst>
+                <a:latin typeface="야놀자 야체 B" pitchFamily="18" charset="-127"/>
+                <a:ea typeface="야놀자 야체 B" pitchFamily="18" charset="-127"/>
+              </a:rPr>
+              <a:t>[</a:t>
+            </a:r>
+            <a:r>
+              <a:rPr lang="ko-KR" altLang="en-US" sz="3600" dirty="0" smtClean="0">
+                <a:solidFill>
+                  <a:schemeClr val="bg1"/>
+                </a:solidFill>
+                <a:effectLst>
+                  <a:outerShdw blurRad="38100" dist="38100" dir="2700000" algn="tl">
+                    <a:srgbClr val="000000">
+                      <a:alpha val="43137"/>
+                    </a:srgbClr>
+                  </a:outerShdw>
+                </a:effectLst>
+                <a:latin typeface="야놀자 야체 B" pitchFamily="18" charset="-127"/>
+                <a:ea typeface="야놀자 야체 B" pitchFamily="18" charset="-127"/>
+              </a:rPr>
+              <a:t>논리</a:t>
+            </a:r>
+            <a:r>
+              <a:rPr lang="en-US" altLang="ko-KR" sz="3600" dirty="0" smtClean="0">
+                <a:solidFill>
+                  <a:schemeClr val="bg1"/>
+                </a:solidFill>
+                <a:effectLst>
+                  <a:outerShdw blurRad="38100" dist="38100" dir="2700000" algn="tl">
+                    <a:srgbClr val="000000">
+                      <a:alpha val="43137"/>
+                    </a:srgbClr>
+                  </a:outerShdw>
+                </a:effectLst>
+                <a:latin typeface="야놀자 야체 B" pitchFamily="18" charset="-127"/>
+                <a:ea typeface="야놀자 야체 B" pitchFamily="18" charset="-127"/>
+              </a:rPr>
+              <a:t>]</a:t>
+            </a:r>
+            <a:endParaRPr lang="ko-KR" altLang="en-US" sz="3600" dirty="0">
+              <a:solidFill>
+                <a:schemeClr val="bg1"/>
+              </a:solidFill>
+              <a:effectLst>
+                <a:outerShdw blurRad="38100" dist="38100" dir="2700000" algn="tl">
+                  <a:srgbClr val="000000">
+                    <a:alpha val="43137"/>
+                  </a:srgbClr>
+                </a:outerShdw>
+              </a:effectLst>
+              <a:latin typeface="야놀자 야체 B" pitchFamily="18" charset="-127"/>
+              <a:ea typeface="야놀자 야체 B" pitchFamily="18" charset="-127"/>
+            </a:endParaRPr>
+          </a:p>
+        </p:txBody>
+      </p:sp>
+      <p:pic>
+        <p:nvPicPr>
+          <p:cNvPr id="8194" name="Picture 2"/>
+          <p:cNvPicPr>
+            <a:picLocks noChangeAspect="1" noChangeArrowheads="1"/>
+          </p:cNvPicPr>
+          <p:nvPr/>
+        </p:nvPicPr>
+        <p:blipFill>
+          <a:blip r:embed="rId3"/>
+          <a:srcRect/>
+          <a:stretch>
+            <a:fillRect/>
+          </a:stretch>
+        </p:blipFill>
+        <p:spPr bwMode="auto">
+          <a:xfrm>
+            <a:off x="642910" y="1643050"/>
+            <a:ext cx="7943850" cy="4705350"/>
+          </a:xfrm>
+          <a:prstGeom prst="rect">
+            <a:avLst/>
+          </a:prstGeom>
+          <a:noFill/>
+          <a:ln w="9525">
+            <a:noFill/>
+            <a:miter lim="800000"/>
+            <a:headEnd/>
+            <a:tailEnd/>
+          </a:ln>
+          <a:effectLst/>
+        </p:spPr>
+      </p:pic>
+      <p:sp>
+        <p:nvSpPr>
+          <p:cNvPr id="13" name="직사각형 12"/>
+          <p:cNvSpPr/>
+          <p:nvPr/>
+        </p:nvSpPr>
+        <p:spPr>
+          <a:xfrm>
+            <a:off x="7715272" y="2643182"/>
+            <a:ext cx="1285884" cy="500066"/>
+          </a:xfrm>
+          <a:prstGeom prst="rect">
+            <a:avLst/>
+          </a:prstGeom>
+          <a:solidFill>
+            <a:srgbClr val="CAD787">
+              <a:alpha val="56000"/>
+            </a:srgbClr>
+          </a:solidFill>
+          <a:ln>
+            <a:noFill/>
+          </a:ln>
+        </p:spPr>
+        <p:style>
+          <a:lnRef idx="2">
+            <a:schemeClr val="accent1">
+              <a:shade val="50000"/>
+            </a:schemeClr>
+          </a:lnRef>
+          <a:fillRef idx="1">
+            <a:schemeClr val="accent1"/>
+          </a:fillRef>
+          <a:effectRef idx="0">
+            <a:schemeClr val="accent1"/>
+          </a:effectRef>
+          <a:fontRef idx="minor">
+            <a:schemeClr val="lt1"/>
+          </a:fontRef>
+        </p:style>
+        <p:txBody>
+          <a:bodyPr rtlCol="0" anchor="ctr"/>
+          <a:lstStyle/>
+          <a:p>
+            <a:pPr algn="ctr"/>
+            <a:endParaRPr lang="ko-KR" altLang="en-US" dirty="0">
+              <a:solidFill>
+                <a:srgbClr val="FF8699"/>
+              </a:solidFill>
+            </a:endParaRPr>
+          </a:p>
+        </p:txBody>
+      </p:sp>
+      <p:sp>
+        <p:nvSpPr>
+          <p:cNvPr id="14" name="TextBox 13"/>
+          <p:cNvSpPr txBox="1"/>
+          <p:nvPr/>
+        </p:nvSpPr>
+        <p:spPr>
+          <a:xfrm>
+            <a:off x="7715272" y="2571744"/>
+            <a:ext cx="1214446" cy="646331"/>
+          </a:xfrm>
+          <a:prstGeom prst="rect">
+            <a:avLst/>
+          </a:prstGeom>
+          <a:noFill/>
+        </p:spPr>
+        <p:txBody>
+          <a:bodyPr wrap="square" rtlCol="0">
+            <a:spAutoFit/>
+          </a:bodyPr>
+          <a:lstStyle/>
+          <a:p>
+            <a:r>
+              <a:rPr lang="en-US" altLang="ko-KR" sz="3600" dirty="0" smtClean="0">
+                <a:solidFill>
+                  <a:schemeClr val="bg1"/>
+                </a:solidFill>
+                <a:effectLst>
+                  <a:outerShdw blurRad="38100" dist="38100" dir="2700000" algn="tl">
+                    <a:srgbClr val="000000">
+                      <a:alpha val="43137"/>
+                    </a:srgbClr>
+                  </a:outerShdw>
+                </a:effectLst>
+                <a:latin typeface="야놀자 야체 B" pitchFamily="18" charset="-127"/>
+                <a:ea typeface="야놀자 야체 B" pitchFamily="18" charset="-127"/>
+              </a:rPr>
+              <a:t>[</a:t>
+            </a:r>
+            <a:r>
+              <a:rPr lang="ko-KR" altLang="en-US" sz="3600" dirty="0" smtClean="0">
+                <a:solidFill>
+                  <a:schemeClr val="bg1"/>
+                </a:solidFill>
+                <a:effectLst>
+                  <a:outerShdw blurRad="38100" dist="38100" dir="2700000" algn="tl">
+                    <a:srgbClr val="000000">
+                      <a:alpha val="43137"/>
+                    </a:srgbClr>
+                  </a:outerShdw>
+                </a:effectLst>
+                <a:latin typeface="야놀자 야체 B" pitchFamily="18" charset="-127"/>
+                <a:ea typeface="야놀자 야체 B" pitchFamily="18" charset="-127"/>
+              </a:rPr>
+              <a:t>물리</a:t>
+            </a:r>
+            <a:r>
+              <a:rPr lang="en-US" altLang="ko-KR" sz="3600" dirty="0" smtClean="0">
+                <a:solidFill>
+                  <a:schemeClr val="bg1"/>
+                </a:solidFill>
+                <a:effectLst>
+                  <a:outerShdw blurRad="38100" dist="38100" dir="2700000" algn="tl">
+                    <a:srgbClr val="000000">
+                      <a:alpha val="43137"/>
+                    </a:srgbClr>
+                  </a:outerShdw>
+                </a:effectLst>
+                <a:latin typeface="야놀자 야체 B" pitchFamily="18" charset="-127"/>
+                <a:ea typeface="야놀자 야체 B" pitchFamily="18" charset="-127"/>
+              </a:rPr>
+              <a:t>]</a:t>
+            </a:r>
+            <a:endParaRPr lang="ko-KR" altLang="en-US" sz="3600" dirty="0">
+              <a:solidFill>
+                <a:schemeClr val="bg1"/>
+              </a:solidFill>
+              <a:effectLst>
+                <a:outerShdw blurRad="38100" dist="38100" dir="2700000" algn="tl">
+                  <a:srgbClr val="000000">
+                    <a:alpha val="43137"/>
+                  </a:srgbClr>
+                </a:outerShdw>
+              </a:effectLst>
+              <a:latin typeface="야놀자 야체 B" pitchFamily="18" charset="-127"/>
+              <a:ea typeface="야놀자 야체 B" pitchFamily="18" charset="-127"/>
+            </a:endParaRPr>
+          </a:p>
+        </p:txBody>
+      </p:sp>
+    </p:spTree>
+  </p:cSld>
+  <p:clrMapOvr>
+    <a:masterClrMapping/>
+  </p:clrMapOvr>
+  <p:transition>
+    <p:push dir="d"/>
+  </p:transition>
+  <p:timing>
+    <p:tnLst>
+      <p:par>
+        <p:cTn id="1" dur="indefinite" restart="never" nodeType="tmRoot">
+          <p:childTnLst>
+            <p:seq concurrent="1" nextAc="seek">
+              <p:cTn id="2" dur="indefinite" nodeType="mainSeq">
+                <p:childTnLst>
+                  <p:par>
+                    <p:cTn id="3" fill="hold">
+                      <p:stCondLst>
+                        <p:cond delay="indefinite"/>
+                      </p:stCondLst>
+                      <p:childTnLst>
+                        <p:par>
+                          <p:cTn id="4" fill="hold">
+                            <p:stCondLst>
+                              <p:cond delay="0"/>
+                            </p:stCondLst>
+                            <p:childTnLst>
+                              <p:par>
+                                <p:cTn id="5" presetID="1" presetClass="exit" presetSubtype="0" fill="hold" grpId="0" nodeType="clickEffect">
+                                  <p:stCondLst>
+                                    <p:cond delay="0"/>
+                                  </p:stCondLst>
+                                  <p:childTnLst>
+                                    <p:set>
+                                      <p:cBhvr>
+                                        <p:cTn id="6" dur="1" fill="hold">
+                                          <p:stCondLst>
+                                            <p:cond delay="0"/>
+                                          </p:stCondLst>
+                                        </p:cTn>
+                                        <p:tgtEl>
+                                          <p:spTgt spid="12"/>
+                                        </p:tgtEl>
+                                        <p:attrNameLst>
+                                          <p:attrName>style.visibility</p:attrName>
+                                        </p:attrNameLst>
+                                      </p:cBhvr>
+                                      <p:to>
+                                        <p:strVal val="hidden"/>
+                                      </p:to>
+                                    </p:set>
+                                  </p:childTnLst>
+                                </p:cTn>
+                              </p:par>
+                              <p:par>
+                                <p:cTn id="7" presetID="1" presetClass="exit" presetSubtype="0" fill="hold" grpId="0" nodeType="withEffect">
+                                  <p:stCondLst>
+                                    <p:cond delay="0"/>
+                                  </p:stCondLst>
+                                  <p:childTnLst>
+                                    <p:set>
+                                      <p:cBhvr>
+                                        <p:cTn id="8" dur="1" fill="hold">
+                                          <p:stCondLst>
+                                            <p:cond delay="0"/>
+                                          </p:stCondLst>
+                                        </p:cTn>
+                                        <p:tgtEl>
+                                          <p:spTgt spid="11"/>
+                                        </p:tgtEl>
+                                        <p:attrNameLst>
+                                          <p:attrName>style.visibility</p:attrName>
+                                        </p:attrNameLst>
+                                      </p:cBhvr>
+                                      <p:to>
+                                        <p:strVal val="hidden"/>
+                                      </p:to>
+                                    </p:set>
+                                  </p:childTnLst>
+                                </p:cTn>
+                              </p:par>
+                            </p:childTnLst>
+                          </p:cTn>
+                        </p:par>
+                        <p:par>
+                          <p:cTn id="9" fill="hold">
+                            <p:stCondLst>
+                              <p:cond delay="0"/>
+                            </p:stCondLst>
+                            <p:childTnLst>
+                              <p:par>
+                                <p:cTn id="10" presetID="17" presetClass="entr" presetSubtype="10" fill="hold" nodeType="afterEffect">
+                                  <p:stCondLst>
+                                    <p:cond delay="0"/>
+                                  </p:stCondLst>
+                                  <p:childTnLst>
+                                    <p:set>
+                                      <p:cBhvr>
+                                        <p:cTn id="11" dur="1" fill="hold">
+                                          <p:stCondLst>
+                                            <p:cond delay="0"/>
+                                          </p:stCondLst>
+                                        </p:cTn>
+                                        <p:tgtEl>
+                                          <p:spTgt spid="8194"/>
+                                        </p:tgtEl>
+                                        <p:attrNameLst>
+                                          <p:attrName>style.visibility</p:attrName>
+                                        </p:attrNameLst>
+                                      </p:cBhvr>
+                                      <p:to>
+                                        <p:strVal val="visible"/>
+                                      </p:to>
+                                    </p:set>
+                                    <p:anim calcmode="lin" valueType="num">
+                                      <p:cBhvr>
+                                        <p:cTn id="12" dur="500" fill="hold"/>
+                                        <p:tgtEl>
+                                          <p:spTgt spid="8194"/>
+                                        </p:tgtEl>
+                                        <p:attrNameLst>
+                                          <p:attrName>ppt_w</p:attrName>
+                                        </p:attrNameLst>
+                                      </p:cBhvr>
+                                      <p:tavLst>
+                                        <p:tav tm="0">
+                                          <p:val>
+                                            <p:fltVal val="0"/>
+                                          </p:val>
+                                        </p:tav>
+                                        <p:tav tm="100000">
+                                          <p:val>
+                                            <p:strVal val="#ppt_w"/>
+                                          </p:val>
+                                        </p:tav>
+                                      </p:tavLst>
+                                    </p:anim>
+                                    <p:anim calcmode="lin" valueType="num">
+                                      <p:cBhvr>
+                                        <p:cTn id="13" dur="500" fill="hold"/>
+                                        <p:tgtEl>
+                                          <p:spTgt spid="8194"/>
+                                        </p:tgtEl>
+                                        <p:attrNameLst>
+                                          <p:attrName>ppt_h</p:attrName>
+                                        </p:attrNameLst>
+                                      </p:cBhvr>
+                                      <p:tavLst>
+                                        <p:tav tm="0">
+                                          <p:val>
+                                            <p:strVal val="#ppt_h"/>
+                                          </p:val>
+                                        </p:tav>
+                                        <p:tav tm="100000">
+                                          <p:val>
+                                            <p:strVal val="#ppt_h"/>
+                                          </p:val>
+                                        </p:tav>
+                                      </p:tavLst>
+                                    </p:anim>
+                                  </p:childTnLst>
+                                </p:cTn>
+                              </p:par>
+                              <p:par>
+                                <p:cTn id="14" presetID="17" presetClass="entr" presetSubtype="10" fill="hold" grpId="0" nodeType="withEffect">
+                                  <p:stCondLst>
+                                    <p:cond delay="0"/>
+                                  </p:stCondLst>
+                                  <p:childTnLst>
+                                    <p:set>
+                                      <p:cBhvr>
+                                        <p:cTn id="15" dur="1" fill="hold">
+                                          <p:stCondLst>
+                                            <p:cond delay="0"/>
+                                          </p:stCondLst>
+                                        </p:cTn>
+                                        <p:tgtEl>
+                                          <p:spTgt spid="14"/>
+                                        </p:tgtEl>
+                                        <p:attrNameLst>
+                                          <p:attrName>style.visibility</p:attrName>
+                                        </p:attrNameLst>
+                                      </p:cBhvr>
+                                      <p:to>
+                                        <p:strVal val="visible"/>
+                                      </p:to>
+                                    </p:set>
+                                    <p:anim calcmode="lin" valueType="num">
+                                      <p:cBhvr>
+                                        <p:cTn id="16" dur="500" fill="hold"/>
+                                        <p:tgtEl>
+                                          <p:spTgt spid="14"/>
+                                        </p:tgtEl>
+                                        <p:attrNameLst>
+                                          <p:attrName>ppt_w</p:attrName>
+                                        </p:attrNameLst>
+                                      </p:cBhvr>
+                                      <p:tavLst>
+                                        <p:tav tm="0">
+                                          <p:val>
+                                            <p:fltVal val="0"/>
+                                          </p:val>
+                                        </p:tav>
+                                        <p:tav tm="100000">
+                                          <p:val>
+                                            <p:strVal val="#ppt_w"/>
+                                          </p:val>
+                                        </p:tav>
+                                      </p:tavLst>
+                                    </p:anim>
+                                    <p:anim calcmode="lin" valueType="num">
+                                      <p:cBhvr>
+                                        <p:cTn id="17" dur="500" fill="hold"/>
+                                        <p:tgtEl>
+                                          <p:spTgt spid="14"/>
+                                        </p:tgtEl>
+                                        <p:attrNameLst>
+                                          <p:attrName>ppt_h</p:attrName>
+                                        </p:attrNameLst>
+                                      </p:cBhvr>
+                                      <p:tavLst>
+                                        <p:tav tm="0">
+                                          <p:val>
+                                            <p:strVal val="#ppt_h"/>
+                                          </p:val>
+                                        </p:tav>
+                                        <p:tav tm="100000">
+                                          <p:val>
+                                            <p:strVal val="#ppt_h"/>
+                                          </p:val>
+                                        </p:tav>
+                                      </p:tavLst>
+                                    </p:anim>
+                                  </p:childTnLst>
+                                </p:cTn>
+                              </p:par>
+                              <p:par>
+                                <p:cTn id="18" presetID="17" presetClass="entr" presetSubtype="10" fill="hold" grpId="0" nodeType="withEffect">
+                                  <p:stCondLst>
+                                    <p:cond delay="0"/>
+                                  </p:stCondLst>
+                                  <p:childTnLst>
+                                    <p:set>
+                                      <p:cBhvr>
+                                        <p:cTn id="19" dur="1" fill="hold">
+                                          <p:stCondLst>
+                                            <p:cond delay="0"/>
+                                          </p:stCondLst>
+                                        </p:cTn>
+                                        <p:tgtEl>
+                                          <p:spTgt spid="13"/>
+                                        </p:tgtEl>
+                                        <p:attrNameLst>
+                                          <p:attrName>style.visibility</p:attrName>
+                                        </p:attrNameLst>
+                                      </p:cBhvr>
+                                      <p:to>
+                                        <p:strVal val="visible"/>
+                                      </p:to>
+                                    </p:set>
+                                    <p:anim calcmode="lin" valueType="num">
+                                      <p:cBhvr>
+                                        <p:cTn id="20" dur="500" fill="hold"/>
+                                        <p:tgtEl>
+                                          <p:spTgt spid="13"/>
+                                        </p:tgtEl>
+                                        <p:attrNameLst>
+                                          <p:attrName>ppt_w</p:attrName>
+                                        </p:attrNameLst>
+                                      </p:cBhvr>
+                                      <p:tavLst>
+                                        <p:tav tm="0">
+                                          <p:val>
+                                            <p:fltVal val="0"/>
+                                          </p:val>
+                                        </p:tav>
+                                        <p:tav tm="100000">
+                                          <p:val>
+                                            <p:strVal val="#ppt_w"/>
+                                          </p:val>
+                                        </p:tav>
+                                      </p:tavLst>
+                                    </p:anim>
+                                    <p:anim calcmode="lin" valueType="num">
+                                      <p:cBhvr>
+                                        <p:cTn id="21" dur="500" fill="hold"/>
+                                        <p:tgtEl>
+                                          <p:spTgt spid="13"/>
+                                        </p:tgtEl>
+                                        <p:attrNameLst>
+                                          <p:attrName>ppt_h</p:attrName>
+                                        </p:attrNameLst>
+                                      </p:cBhvr>
+                                      <p:tavLst>
+                                        <p:tav tm="0">
+                                          <p:val>
+                                            <p:strVal val="#ppt_h"/>
+                                          </p:val>
+                                        </p:tav>
+                                        <p:tav tm="100000">
+                                          <p:val>
+                                            <p:strVal val="#ppt_h"/>
+                                          </p:val>
+                                        </p:tav>
+                                      </p:tavLst>
+                                    </p:anim>
+                                  </p:childTnLst>
+                                </p:cTn>
+                              </p:par>
+                            </p:childTnLst>
+                          </p:cTn>
+                        </p:par>
+                      </p:childTnLst>
+                    </p:cTn>
+                  </p:par>
+                </p:childTnLst>
+              </p:cTn>
+              <p:prevCondLst>
+                <p:cond evt="onPrev" delay="0">
+                  <p:tgtEl>
+                    <p:sldTgt/>
+                  </p:tgtEl>
+                </p:cond>
+              </p:prevCondLst>
+              <p:nextCondLst>
+                <p:cond evt="onNext" delay="0">
+                  <p:tgtEl>
+                    <p:sldTgt/>
+                  </p:tgtEl>
+                </p:cond>
+              </p:nextCondLst>
+            </p:seq>
+          </p:childTnLst>
+        </p:cTn>
+      </p:par>
+    </p:tnLst>
+    <p:bldLst>
+      <p:bldP spid="12" grpId="0" animBg="1"/>
+      <p:bldP spid="11" grpId="0"/>
+      <p:bldP spid="13" grpId="0" animBg="1"/>
+      <p:bldP spid="14" grpId="0"/>
+    </p:bldLst>
+  </p:timing>
+</p:sld>
+</file>
+
+<file path=ppt/slides/slide11.xml><?xml version="1.0" encoding="utf-8"?>
+<p:sld xmlns:a="http://schemas.openxmlformats.org/drawingml/2006/main" xmlns:r="http://schemas.openxmlformats.org/officeDocument/2006/relationships" xmlns:p="http://schemas.openxmlformats.org/presentationml/2006/main">
+  <p:cSld>
+    <p:spTree>
+      <p:nvGrpSpPr>
+        <p:cNvPr id="1" name=""/>
+        <p:cNvGrpSpPr/>
+        <p:nvPr/>
+      </p:nvGrpSpPr>
+      <p:grpSpPr>
+        <a:xfrm>
+          <a:off x="0" y="0"/>
+          <a:ext cx="0" cy="0"/>
+          <a:chOff x="0" y="0"/>
+          <a:chExt cx="0" cy="0"/>
+        </a:xfrm>
+      </p:grpSpPr>
       <p:sp>
         <p:nvSpPr>
           <p:cNvPr id="6" name="제목 1"/>
@@ -9392,8 +10026,8 @@
         </p:nvSpPr>
         <p:spPr>
           <a:xfrm>
-            <a:off x="457200" y="142852"/>
-            <a:ext cx="8229600" cy="1143000"/>
+            <a:off x="6286512" y="0"/>
+            <a:ext cx="2857488" cy="785834"/>
           </a:xfrm>
           <a:prstGeom prst="rect">
             <a:avLst/>
@@ -9401,7 +10035,7 @@
         </p:spPr>
         <p:txBody>
           <a:bodyPr vert="horz" lIns="91440" tIns="45720" rIns="91440" bIns="45720" rtlCol="0" anchor="ctr">
-            <a:normAutofit/>
+            <a:normAutofit fontScale="77500" lnSpcReduction="20000"/>
           </a:bodyPr>
           <a:lstStyle/>
           <a:p>
@@ -9476,8 +10110,8 @@
         </p:nvSpPr>
         <p:spPr>
           <a:xfrm>
-            <a:off x="2857488" y="1142984"/>
-            <a:ext cx="3429024" cy="71438"/>
+            <a:off x="6357950" y="665288"/>
+            <a:ext cx="2743189" cy="49115"/>
           </a:xfrm>
           <a:prstGeom prst="rect">
             <a:avLst/>
@@ -9526,8 +10160,8 @@
         </p:nvSpPr>
         <p:spPr>
           <a:xfrm>
-            <a:off x="2857488" y="357166"/>
-            <a:ext cx="3429024" cy="71438"/>
+            <a:off x="6357918" y="736702"/>
+            <a:ext cx="2743189" cy="49115"/>
           </a:xfrm>
           <a:prstGeom prst="rect">
             <a:avLst/>
@@ -9568,11 +10202,80 @@
           </a:p>
         </p:txBody>
       </p:sp>
+      <p:pic>
+        <p:nvPicPr>
+          <p:cNvPr id="7171" name="Picture 3"/>
+          <p:cNvPicPr>
+            <a:picLocks noChangeAspect="1" noChangeArrowheads="1"/>
+          </p:cNvPicPr>
+          <p:nvPr/>
+        </p:nvPicPr>
+        <p:blipFill>
+          <a:blip r:embed="rId2"/>
+          <a:srcRect/>
+          <a:stretch>
+            <a:fillRect/>
+          </a:stretch>
+        </p:blipFill>
+        <p:spPr bwMode="auto">
+          <a:xfrm>
+            <a:off x="-1" y="0"/>
+            <a:ext cx="4214811" cy="6858000"/>
+          </a:xfrm>
+          <a:prstGeom prst="rect">
+            <a:avLst/>
+          </a:prstGeom>
+          <a:noFill/>
+          <a:ln w="9525">
+            <a:noFill/>
+            <a:miter lim="800000"/>
+            <a:headEnd/>
+            <a:tailEnd/>
+          </a:ln>
+          <a:effectLst/>
+        </p:spPr>
+      </p:pic>
+      <p:pic>
+        <p:nvPicPr>
+          <p:cNvPr id="7172" name="Picture 4"/>
+          <p:cNvPicPr>
+            <a:picLocks noChangeAspect="1" noChangeArrowheads="1"/>
+          </p:cNvPicPr>
+          <p:nvPr/>
+        </p:nvPicPr>
+        <p:blipFill>
+          <a:blip r:embed="rId3"/>
+          <a:srcRect/>
+          <a:stretch>
+            <a:fillRect/>
+          </a:stretch>
+        </p:blipFill>
+        <p:spPr bwMode="auto">
+          <a:xfrm>
+            <a:off x="4276725" y="1142984"/>
+            <a:ext cx="4867275" cy="4686300"/>
+          </a:xfrm>
+          <a:prstGeom prst="rect">
+            <a:avLst/>
+          </a:prstGeom>
+          <a:noFill/>
+          <a:ln w="9525">
+            <a:noFill/>
+            <a:miter lim="800000"/>
+            <a:headEnd/>
+            <a:tailEnd/>
+          </a:ln>
+          <a:effectLst/>
+        </p:spPr>
+      </p:pic>
     </p:spTree>
   </p:cSld>
   <p:clrMapOvr>
     <a:masterClrMapping/>
   </p:clrMapOvr>
+  <p:transition>
+    <p:push dir="u"/>
+  </p:transition>
   <p:timing>
     <p:tnLst>
       <p:par>
